--- a/Document/모델관계도&페이지구성.pptx
+++ b/Document/모델관계도&페이지구성.pptx
@@ -353,7 +353,7 @@
           <a:p>
             <a:fld id="{46D550B5-17A9-46AD-B8B6-D59AD34288C2}" type="datetimeFigureOut">
               <a:rPr lang="ko-KR" altLang="en-US" smtClean="0"/>
-              <a:t>2025-02-21</a:t>
+              <a:t>2025-02-24</a:t>
             </a:fld>
             <a:endParaRPr lang="ko-KR" altLang="en-US"/>
           </a:p>
@@ -523,7 +523,7 @@
           <a:p>
             <a:fld id="{46D550B5-17A9-46AD-B8B6-D59AD34288C2}" type="datetimeFigureOut">
               <a:rPr lang="ko-KR" altLang="en-US" smtClean="0"/>
-              <a:t>2025-02-21</a:t>
+              <a:t>2025-02-24</a:t>
             </a:fld>
             <a:endParaRPr lang="ko-KR" altLang="en-US"/>
           </a:p>
@@ -703,7 +703,7 @@
           <a:p>
             <a:fld id="{46D550B5-17A9-46AD-B8B6-D59AD34288C2}" type="datetimeFigureOut">
               <a:rPr lang="ko-KR" altLang="en-US" smtClean="0"/>
-              <a:t>2025-02-21</a:t>
+              <a:t>2025-02-24</a:t>
             </a:fld>
             <a:endParaRPr lang="ko-KR" altLang="en-US"/>
           </a:p>
@@ -873,7 +873,7 @@
           <a:p>
             <a:fld id="{46D550B5-17A9-46AD-B8B6-D59AD34288C2}" type="datetimeFigureOut">
               <a:rPr lang="ko-KR" altLang="en-US" smtClean="0"/>
-              <a:t>2025-02-21</a:t>
+              <a:t>2025-02-24</a:t>
             </a:fld>
             <a:endParaRPr lang="ko-KR" altLang="en-US"/>
           </a:p>
@@ -1119,7 +1119,7 @@
           <a:p>
             <a:fld id="{46D550B5-17A9-46AD-B8B6-D59AD34288C2}" type="datetimeFigureOut">
               <a:rPr lang="ko-KR" altLang="en-US" smtClean="0"/>
-              <a:t>2025-02-21</a:t>
+              <a:t>2025-02-24</a:t>
             </a:fld>
             <a:endParaRPr lang="ko-KR" altLang="en-US"/>
           </a:p>
@@ -1351,7 +1351,7 @@
           <a:p>
             <a:fld id="{46D550B5-17A9-46AD-B8B6-D59AD34288C2}" type="datetimeFigureOut">
               <a:rPr lang="ko-KR" altLang="en-US" smtClean="0"/>
-              <a:t>2025-02-21</a:t>
+              <a:t>2025-02-24</a:t>
             </a:fld>
             <a:endParaRPr lang="ko-KR" altLang="en-US"/>
           </a:p>
@@ -1718,7 +1718,7 @@
           <a:p>
             <a:fld id="{46D550B5-17A9-46AD-B8B6-D59AD34288C2}" type="datetimeFigureOut">
               <a:rPr lang="ko-KR" altLang="en-US" smtClean="0"/>
-              <a:t>2025-02-21</a:t>
+              <a:t>2025-02-24</a:t>
             </a:fld>
             <a:endParaRPr lang="ko-KR" altLang="en-US"/>
           </a:p>
@@ -1836,7 +1836,7 @@
           <a:p>
             <a:fld id="{46D550B5-17A9-46AD-B8B6-D59AD34288C2}" type="datetimeFigureOut">
               <a:rPr lang="ko-KR" altLang="en-US" smtClean="0"/>
-              <a:t>2025-02-21</a:t>
+              <a:t>2025-02-24</a:t>
             </a:fld>
             <a:endParaRPr lang="ko-KR" altLang="en-US"/>
           </a:p>
@@ -1931,7 +1931,7 @@
           <a:p>
             <a:fld id="{46D550B5-17A9-46AD-B8B6-D59AD34288C2}" type="datetimeFigureOut">
               <a:rPr lang="ko-KR" altLang="en-US" smtClean="0"/>
-              <a:t>2025-02-21</a:t>
+              <a:t>2025-02-24</a:t>
             </a:fld>
             <a:endParaRPr lang="ko-KR" altLang="en-US"/>
           </a:p>
@@ -2208,7 +2208,7 @@
           <a:p>
             <a:fld id="{46D550B5-17A9-46AD-B8B6-D59AD34288C2}" type="datetimeFigureOut">
               <a:rPr lang="ko-KR" altLang="en-US" smtClean="0"/>
-              <a:t>2025-02-21</a:t>
+              <a:t>2025-02-24</a:t>
             </a:fld>
             <a:endParaRPr lang="ko-KR" altLang="en-US"/>
           </a:p>
@@ -2461,7 +2461,7 @@
           <a:p>
             <a:fld id="{46D550B5-17A9-46AD-B8B6-D59AD34288C2}" type="datetimeFigureOut">
               <a:rPr lang="ko-KR" altLang="en-US" smtClean="0"/>
-              <a:t>2025-02-21</a:t>
+              <a:t>2025-02-24</a:t>
             </a:fld>
             <a:endParaRPr lang="ko-KR" altLang="en-US"/>
           </a:p>
@@ -2674,7 +2674,7 @@
           <a:p>
             <a:fld id="{46D550B5-17A9-46AD-B8B6-D59AD34288C2}" type="datetimeFigureOut">
               <a:rPr lang="ko-KR" altLang="en-US" smtClean="0"/>
-              <a:t>2025-02-21</a:t>
+              <a:t>2025-02-24</a:t>
             </a:fld>
             <a:endParaRPr lang="ko-KR" altLang="en-US"/>
           </a:p>
@@ -3743,11 +3743,7 @@
             <a:pPr algn="ctr"/>
             <a:r>
               <a:rPr lang="ko-KR" altLang="en-US" sz="1200" dirty="0" smtClean="0"/>
-              <a:t>多</a:t>
-            </a:r>
-            <a:r>
-              <a:rPr lang="ko-KR" altLang="en-US" sz="1200" dirty="0" smtClean="0"/>
-              <a:t>대多</a:t>
+              <a:t>多대多</a:t>
             </a:r>
             <a:endParaRPr lang="en-US" altLang="ko-KR" sz="1200" dirty="0" smtClean="0"/>
           </a:p>
@@ -4251,11 +4247,7 @@
             <a:pPr algn="ctr"/>
             <a:r>
               <a:rPr lang="ko-KR" altLang="en-US" sz="1200" dirty="0" smtClean="0"/>
-              <a:t>多</a:t>
-            </a:r>
-            <a:r>
-              <a:rPr lang="ko-KR" altLang="en-US" sz="1200" dirty="0" smtClean="0"/>
-              <a:t>대多</a:t>
+              <a:t>多대多</a:t>
             </a:r>
             <a:endParaRPr lang="en-US" altLang="ko-KR" sz="1200" dirty="0" smtClean="0"/>
           </a:p>
@@ -4440,7 +4432,7 @@
         </p:nvSpPr>
         <p:spPr>
           <a:xfrm>
-            <a:off x="2087939" y="4700545"/>
+            <a:off x="2278834" y="4700545"/>
             <a:ext cx="1000595" cy="1323439"/>
           </a:xfrm>
           <a:prstGeom prst="rect">
@@ -4509,6 +4501,10 @@
               <a:rPr lang="ko-KR" altLang="en-US" sz="1000" dirty="0" smtClean="0"/>
               <a:t>권역</a:t>
             </a:r>
+            <a:r>
+              <a:rPr lang="en-US" altLang="ko-KR" sz="1000" dirty="0" smtClean="0"/>
+              <a:t>(FK)</a:t>
+            </a:r>
             <a:endParaRPr lang="en-US" altLang="ko-KR" sz="1000" dirty="0" smtClean="0"/>
           </a:p>
           <a:p>
@@ -4618,7 +4614,7 @@
         </p:nvSpPr>
         <p:spPr>
           <a:xfrm>
-            <a:off x="4751985" y="5506546"/>
+            <a:off x="4732166" y="5768968"/>
             <a:ext cx="1304140" cy="510031"/>
           </a:xfrm>
           <a:prstGeom prst="rect">
@@ -4714,6 +4710,95 @@
               <a:t>모델 관계도</a:t>
             </a:r>
             <a:endParaRPr lang="ko-KR" altLang="en-US" sz="3600" dirty="0"/>
+          </a:p>
+        </p:txBody>
+      </p:sp>
+      <p:cxnSp>
+        <p:nvCxnSpPr>
+          <p:cNvPr id="30" name="직선 화살표 연결선 29"/>
+          <p:cNvCxnSpPr/>
+          <p:nvPr/>
+        </p:nvCxnSpPr>
+        <p:spPr>
+          <a:xfrm>
+            <a:off x="4339450" y="5286860"/>
+            <a:ext cx="379839" cy="387649"/>
+          </a:xfrm>
+          <a:prstGeom prst="straightConnector1">
+            <a:avLst/>
+          </a:prstGeom>
+          <a:ln>
+            <a:headEnd type="triangle"/>
+            <a:tailEnd type="triangle"/>
+          </a:ln>
+        </p:spPr>
+        <p:style>
+          <a:lnRef idx="1">
+            <a:schemeClr val="accent1"/>
+          </a:lnRef>
+          <a:fillRef idx="0">
+            <a:schemeClr val="accent1"/>
+          </a:fillRef>
+          <a:effectRef idx="0">
+            <a:schemeClr val="accent1"/>
+          </a:effectRef>
+          <a:fontRef idx="minor">
+            <a:schemeClr val="tx1"/>
+          </a:fontRef>
+        </p:style>
+      </p:cxnSp>
+      <p:sp>
+        <p:nvSpPr>
+          <p:cNvPr id="32" name="TextBox 31"/>
+          <p:cNvSpPr txBox="1"/>
+          <p:nvPr/>
+        </p:nvSpPr>
+        <p:spPr>
+          <a:xfrm>
+            <a:off x="6036306" y="5725001"/>
+            <a:ext cx="671979" cy="553998"/>
+          </a:xfrm>
+          <a:prstGeom prst="rect">
+            <a:avLst/>
+          </a:prstGeom>
+          <a:noFill/>
+        </p:spPr>
+        <p:txBody>
+          <a:bodyPr wrap="none" rtlCol="0">
+            <a:spAutoFit/>
+          </a:bodyPr>
+          <a:lstStyle/>
+          <a:p>
+            <a:r>
+              <a:rPr lang="en-US" altLang="ko-KR" sz="1000" dirty="0" smtClean="0"/>
+              <a:t>- ID (</a:t>
+            </a:r>
+            <a:r>
+              <a:rPr lang="en-US" altLang="ko-KR" sz="1000" dirty="0" err="1" smtClean="0"/>
+              <a:t>pk</a:t>
+            </a:r>
+            <a:r>
+              <a:rPr lang="en-US" altLang="ko-KR" sz="1000" dirty="0" smtClean="0"/>
+              <a:t>)</a:t>
+            </a:r>
+          </a:p>
+          <a:p>
+            <a:r>
+              <a:rPr lang="en-US" altLang="ko-KR" sz="1000" dirty="0" smtClean="0"/>
+              <a:t>- </a:t>
+            </a:r>
+            <a:r>
+              <a:rPr lang="ko-KR" altLang="en-US" sz="1000" dirty="0" smtClean="0"/>
+              <a:t>권역</a:t>
+            </a:r>
+            <a:endParaRPr lang="en-US" altLang="ko-KR" sz="1000" dirty="0" smtClean="0"/>
+          </a:p>
+          <a:p>
+            <a:r>
+              <a:rPr lang="en-US" altLang="ko-KR" sz="1000" dirty="0" smtClean="0"/>
+              <a:t>- ?</a:t>
+            </a:r>
+            <a:endParaRPr lang="en-US" altLang="ko-KR" sz="1000" dirty="0" smtClean="0"/>
           </a:p>
         </p:txBody>
       </p:sp>

--- a/Document/모델관계도&페이지구성.pptx
+++ b/Document/모델관계도&페이지구성.pptx
@@ -4432,7 +4432,7 @@
         </p:nvSpPr>
         <p:spPr>
           <a:xfrm>
-            <a:off x="2278834" y="4700545"/>
+            <a:off x="2087939" y="4700545"/>
             <a:ext cx="1000595" cy="1323439"/>
           </a:xfrm>
           <a:prstGeom prst="rect">
@@ -4501,10 +4501,6 @@
               <a:rPr lang="ko-KR" altLang="en-US" sz="1000" dirty="0" smtClean="0"/>
               <a:t>권역</a:t>
             </a:r>
-            <a:r>
-              <a:rPr lang="en-US" altLang="ko-KR" sz="1000" dirty="0" smtClean="0"/>
-              <a:t>(FK)</a:t>
-            </a:r>
             <a:endParaRPr lang="en-US" altLang="ko-KR" sz="1000" dirty="0" smtClean="0"/>
           </a:p>
           <a:p>
@@ -4614,7 +4610,7 @@
         </p:nvSpPr>
         <p:spPr>
           <a:xfrm>
-            <a:off x="4732166" y="5768968"/>
+            <a:off x="4751985" y="5506546"/>
             <a:ext cx="1304140" cy="510031"/>
           </a:xfrm>
           <a:prstGeom prst="rect">
@@ -4710,95 +4706,6 @@
               <a:t>모델 관계도</a:t>
             </a:r>
             <a:endParaRPr lang="ko-KR" altLang="en-US" sz="3600" dirty="0"/>
-          </a:p>
-        </p:txBody>
-      </p:sp>
-      <p:cxnSp>
-        <p:nvCxnSpPr>
-          <p:cNvPr id="30" name="직선 화살표 연결선 29"/>
-          <p:cNvCxnSpPr/>
-          <p:nvPr/>
-        </p:nvCxnSpPr>
-        <p:spPr>
-          <a:xfrm>
-            <a:off x="4339450" y="5286860"/>
-            <a:ext cx="379839" cy="387649"/>
-          </a:xfrm>
-          <a:prstGeom prst="straightConnector1">
-            <a:avLst/>
-          </a:prstGeom>
-          <a:ln>
-            <a:headEnd type="triangle"/>
-            <a:tailEnd type="triangle"/>
-          </a:ln>
-        </p:spPr>
-        <p:style>
-          <a:lnRef idx="1">
-            <a:schemeClr val="accent1"/>
-          </a:lnRef>
-          <a:fillRef idx="0">
-            <a:schemeClr val="accent1"/>
-          </a:fillRef>
-          <a:effectRef idx="0">
-            <a:schemeClr val="accent1"/>
-          </a:effectRef>
-          <a:fontRef idx="minor">
-            <a:schemeClr val="tx1"/>
-          </a:fontRef>
-        </p:style>
-      </p:cxnSp>
-      <p:sp>
-        <p:nvSpPr>
-          <p:cNvPr id="32" name="TextBox 31"/>
-          <p:cNvSpPr txBox="1"/>
-          <p:nvPr/>
-        </p:nvSpPr>
-        <p:spPr>
-          <a:xfrm>
-            <a:off x="6036306" y="5725001"/>
-            <a:ext cx="671979" cy="553998"/>
-          </a:xfrm>
-          <a:prstGeom prst="rect">
-            <a:avLst/>
-          </a:prstGeom>
-          <a:noFill/>
-        </p:spPr>
-        <p:txBody>
-          <a:bodyPr wrap="none" rtlCol="0">
-            <a:spAutoFit/>
-          </a:bodyPr>
-          <a:lstStyle/>
-          <a:p>
-            <a:r>
-              <a:rPr lang="en-US" altLang="ko-KR" sz="1000" dirty="0" smtClean="0"/>
-              <a:t>- ID (</a:t>
-            </a:r>
-            <a:r>
-              <a:rPr lang="en-US" altLang="ko-KR" sz="1000" dirty="0" err="1" smtClean="0"/>
-              <a:t>pk</a:t>
-            </a:r>
-            <a:r>
-              <a:rPr lang="en-US" altLang="ko-KR" sz="1000" dirty="0" smtClean="0"/>
-              <a:t>)</a:t>
-            </a:r>
-          </a:p>
-          <a:p>
-            <a:r>
-              <a:rPr lang="en-US" altLang="ko-KR" sz="1000" dirty="0" smtClean="0"/>
-              <a:t>- </a:t>
-            </a:r>
-            <a:r>
-              <a:rPr lang="ko-KR" altLang="en-US" sz="1000" dirty="0" smtClean="0"/>
-              <a:t>권역</a:t>
-            </a:r>
-            <a:endParaRPr lang="en-US" altLang="ko-KR" sz="1000" dirty="0" smtClean="0"/>
-          </a:p>
-          <a:p>
-            <a:r>
-              <a:rPr lang="en-US" altLang="ko-KR" sz="1000" dirty="0" smtClean="0"/>
-              <a:t>- ?</a:t>
-            </a:r>
-            <a:endParaRPr lang="en-US" altLang="ko-KR" sz="1000" dirty="0" smtClean="0"/>
           </a:p>
         </p:txBody>
       </p:sp>
@@ -7898,7 +7805,7 @@
         </p:nvSpPr>
         <p:spPr>
           <a:xfrm>
-            <a:off x="6178431" y="3690852"/>
+            <a:off x="6178431" y="3366649"/>
             <a:ext cx="1188715" cy="307571"/>
           </a:xfrm>
           <a:prstGeom prst="rect">
@@ -7956,7 +7863,7 @@
         </p:nvSpPr>
         <p:spPr>
           <a:xfrm>
-            <a:off x="6157650" y="4114794"/>
+            <a:off x="6157650" y="3790591"/>
             <a:ext cx="1188715" cy="307571"/>
           </a:xfrm>
           <a:prstGeom prst="rect">
@@ -8177,13 +8084,13 @@
       </p:sp>
       <p:sp>
         <p:nvSpPr>
-          <p:cNvPr id="44" name="직사각형 43"/>
+          <p:cNvPr id="45" name="직사각형 44"/>
           <p:cNvSpPr/>
           <p:nvPr/>
         </p:nvSpPr>
         <p:spPr>
           <a:xfrm>
-            <a:off x="6178431" y="2957249"/>
+            <a:off x="6178431" y="2993661"/>
             <a:ext cx="1188715" cy="307571"/>
           </a:xfrm>
           <a:prstGeom prst="rect">
@@ -8223,7 +8130,15 @@
                   <a:schemeClr val="tx1"/>
                 </a:solidFill>
               </a:rPr>
-              <a:t>좋아요 목록</a:t>
+              <a:t>가게 </a:t>
+            </a:r>
+            <a:r>
+              <a:rPr lang="ko-KR" altLang="en-US" sz="1100" dirty="0" smtClean="0">
+                <a:solidFill>
+                  <a:schemeClr val="tx1"/>
+                </a:solidFill>
+              </a:rPr>
+              <a:t>등록</a:t>
             </a:r>
             <a:endParaRPr lang="ko-KR" altLang="en-US" sz="1100" dirty="0">
               <a:solidFill>
@@ -8235,14 +8150,14 @@
       </p:sp>
       <p:sp>
         <p:nvSpPr>
-          <p:cNvPr id="45" name="직사각형 44"/>
+          <p:cNvPr id="30" name="직사각형 29"/>
           <p:cNvSpPr/>
           <p:nvPr/>
         </p:nvSpPr>
         <p:spPr>
           <a:xfrm>
-            <a:off x="6178431" y="3317864"/>
-            <a:ext cx="1188715" cy="307571"/>
+            <a:off x="7500138" y="2521861"/>
+            <a:ext cx="2250691" cy="1576301"/>
           </a:xfrm>
           <a:prstGeom prst="rect">
             <a:avLst/>
@@ -8281,7 +8196,7 @@
                   <a:schemeClr val="tx1"/>
                 </a:solidFill>
               </a:rPr>
-              <a:t>가게 등록</a:t>
+              <a:t>등록 가게 리스트</a:t>
             </a:r>
             <a:endParaRPr lang="ko-KR" altLang="en-US" sz="1100" dirty="0">
               <a:solidFill>
@@ -10180,7 +10095,7 @@
         </p:nvSpPr>
         <p:spPr>
           <a:xfrm>
-            <a:off x="8163099" y="895705"/>
+            <a:off x="8272200" y="897776"/>
             <a:ext cx="2469920" cy="532015"/>
           </a:xfrm>
           <a:prstGeom prst="rect">

--- a/Document/모델관계도&페이지구성.pptx
+++ b/Document/모델관계도&페이지구성.pptx
@@ -5,7 +5,7 @@
     <p:sldMasterId id="2147483648" r:id="rId1"/>
   </p:sldMasterIdLst>
   <p:sldIdLst>
-    <p:sldId id="268" r:id="rId2"/>
+    <p:sldId id="269" r:id="rId2"/>
     <p:sldId id="267" r:id="rId3"/>
     <p:sldId id="261" r:id="rId4"/>
     <p:sldId id="264" r:id="rId5"/>
@@ -3942,7 +3942,7 @@
         </p:nvSpPr>
         <p:spPr>
           <a:xfrm>
-            <a:off x="2657272" y="832142"/>
+            <a:off x="2838951" y="841667"/>
             <a:ext cx="923651" cy="1015663"/>
           </a:xfrm>
           <a:prstGeom prst="rect">
@@ -3958,15 +3958,7 @@
           <a:p>
             <a:r>
               <a:rPr lang="en-US" altLang="ko-KR" sz="1000" dirty="0" smtClean="0"/>
-              <a:t>- ID (</a:t>
-            </a:r>
-            <a:r>
-              <a:rPr lang="en-US" altLang="ko-KR" sz="1000" dirty="0" err="1" smtClean="0"/>
-              <a:t>pk</a:t>
-            </a:r>
-            <a:r>
-              <a:rPr lang="en-US" altLang="ko-KR" sz="1000" dirty="0" smtClean="0"/>
-              <a:t>)</a:t>
+              <a:t>- ID (PK)</a:t>
             </a:r>
           </a:p>
           <a:p>
@@ -4034,7 +4026,7 @@
         </p:nvSpPr>
         <p:spPr>
           <a:xfrm>
-            <a:off x="8907594" y="832142"/>
+            <a:off x="8773516" y="823494"/>
             <a:ext cx="926857" cy="1169551"/>
           </a:xfrm>
           <a:prstGeom prst="rect">
@@ -4050,15 +4042,7 @@
           <a:p>
             <a:r>
               <a:rPr lang="en-US" altLang="ko-KR" sz="1000" dirty="0" smtClean="0"/>
-              <a:t>- ID (</a:t>
-            </a:r>
-            <a:r>
-              <a:rPr lang="en-US" altLang="ko-KR" sz="1000" dirty="0" err="1" smtClean="0"/>
-              <a:t>pk</a:t>
-            </a:r>
-            <a:r>
-              <a:rPr lang="en-US" altLang="ko-KR" sz="1000" dirty="0" smtClean="0"/>
-              <a:t>)</a:t>
+              <a:t>- ID (PK)</a:t>
             </a:r>
           </a:p>
           <a:p>
@@ -4152,15 +4136,7 @@
           <a:p>
             <a:r>
               <a:rPr lang="en-US" altLang="ko-KR" sz="1000" dirty="0" smtClean="0"/>
-              <a:t>- ID (</a:t>
-            </a:r>
-            <a:r>
-              <a:rPr lang="en-US" altLang="ko-KR" sz="1000" dirty="0" err="1" smtClean="0"/>
-              <a:t>pk</a:t>
-            </a:r>
-            <a:r>
-              <a:rPr lang="en-US" altLang="ko-KR" sz="1000" dirty="0" smtClean="0"/>
-              <a:t>)</a:t>
+              <a:t>- ID (PK)</a:t>
             </a:r>
           </a:p>
           <a:p>
@@ -4285,7 +4261,7 @@
         </p:nvSpPr>
         <p:spPr>
           <a:xfrm>
-            <a:off x="5740674" y="3627957"/>
+            <a:off x="5747744" y="3536187"/>
             <a:ext cx="1011815" cy="1477328"/>
           </a:xfrm>
           <a:prstGeom prst="rect">
@@ -4301,15 +4277,7 @@
           <a:p>
             <a:r>
               <a:rPr lang="en-US" altLang="ko-KR" sz="1000" dirty="0" smtClean="0"/>
-              <a:t>- ID (</a:t>
-            </a:r>
-            <a:r>
-              <a:rPr lang="en-US" altLang="ko-KR" sz="1000" dirty="0" err="1" smtClean="0"/>
-              <a:t>pk</a:t>
-            </a:r>
-            <a:r>
-              <a:rPr lang="en-US" altLang="ko-KR" sz="1000" dirty="0" smtClean="0"/>
-              <a:t>)</a:t>
+              <a:t>- ID (PK)</a:t>
             </a:r>
           </a:p>
           <a:p>
@@ -4432,7 +4400,7 @@
         </p:nvSpPr>
         <p:spPr>
           <a:xfrm>
-            <a:off x="2087939" y="4700545"/>
+            <a:off x="2278834" y="4700545"/>
             <a:ext cx="1000595" cy="1323439"/>
           </a:xfrm>
           <a:prstGeom prst="rect">
@@ -4448,15 +4416,7 @@
           <a:p>
             <a:r>
               <a:rPr lang="en-US" altLang="ko-KR" sz="1000" dirty="0" smtClean="0"/>
-              <a:t>- ID (</a:t>
-            </a:r>
-            <a:r>
-              <a:rPr lang="en-US" altLang="ko-KR" sz="1000" dirty="0" err="1" smtClean="0"/>
-              <a:t>pk</a:t>
-            </a:r>
-            <a:r>
-              <a:rPr lang="en-US" altLang="ko-KR" sz="1000" dirty="0" smtClean="0"/>
-              <a:t>)</a:t>
+              <a:t>- ID (PK)</a:t>
             </a:r>
           </a:p>
           <a:p>
@@ -4501,7 +4461,10 @@
               <a:rPr lang="ko-KR" altLang="en-US" sz="1000" dirty="0" smtClean="0"/>
               <a:t>권역</a:t>
             </a:r>
-            <a:endParaRPr lang="en-US" altLang="ko-KR" sz="1000" dirty="0" smtClean="0"/>
+            <a:r>
+              <a:rPr lang="en-US" altLang="ko-KR" sz="1000" dirty="0" smtClean="0"/>
+              <a:t>(FK)</a:t>
+            </a:r>
           </a:p>
           <a:p>
             <a:r>
@@ -4545,10 +4508,6 @@
             <a:r>
               <a:rPr lang="ko-KR" altLang="en-US" sz="1000" dirty="0" smtClean="0"/>
               <a:t>사진</a:t>
-            </a:r>
-            <a:r>
-              <a:rPr lang="en-US" altLang="ko-KR" sz="1000" dirty="0" smtClean="0"/>
-              <a:t>(FK)</a:t>
             </a:r>
             <a:endParaRPr lang="ko-KR" altLang="en-US" sz="1000" dirty="0"/>
           </a:p>
@@ -4562,8 +4521,8 @@
         </p:nvSpPr>
         <p:spPr>
           <a:xfrm>
-            <a:off x="1501583" y="3011352"/>
-            <a:ext cx="671979" cy="400110"/>
+            <a:off x="1771006" y="3086652"/>
+            <a:ext cx="679994" cy="400110"/>
           </a:xfrm>
           <a:prstGeom prst="rect">
             <a:avLst/>
@@ -4578,15 +4537,7 @@
           <a:p>
             <a:r>
               <a:rPr lang="en-US" altLang="ko-KR" sz="1000" dirty="0" smtClean="0"/>
-              <a:t>- ID (</a:t>
-            </a:r>
-            <a:r>
-              <a:rPr lang="en-US" altLang="ko-KR" sz="1000" dirty="0" err="1" smtClean="0"/>
-              <a:t>pk</a:t>
-            </a:r>
-            <a:r>
-              <a:rPr lang="en-US" altLang="ko-KR" sz="1000" dirty="0" smtClean="0"/>
-              <a:t>)</a:t>
+              <a:t>- ID (PK)</a:t>
             </a:r>
           </a:p>
           <a:p>
@@ -4610,7 +4561,7 @@
         </p:nvSpPr>
         <p:spPr>
           <a:xfrm>
-            <a:off x="4751985" y="5506546"/>
+            <a:off x="4732166" y="5768968"/>
             <a:ext cx="1304140" cy="510031"/>
           </a:xfrm>
           <a:prstGeom prst="rect">
@@ -4709,10 +4660,252 @@
           </a:p>
         </p:txBody>
       </p:sp>
+      <p:cxnSp>
+        <p:nvCxnSpPr>
+          <p:cNvPr id="30" name="직선 화살표 연결선 29"/>
+          <p:cNvCxnSpPr/>
+          <p:nvPr/>
+        </p:nvCxnSpPr>
+        <p:spPr>
+          <a:xfrm>
+            <a:off x="4339450" y="5286860"/>
+            <a:ext cx="379839" cy="387649"/>
+          </a:xfrm>
+          <a:prstGeom prst="straightConnector1">
+            <a:avLst/>
+          </a:prstGeom>
+          <a:ln>
+            <a:headEnd type="triangle"/>
+            <a:tailEnd type="triangle"/>
+          </a:ln>
+        </p:spPr>
+        <p:style>
+          <a:lnRef idx="1">
+            <a:schemeClr val="accent1"/>
+          </a:lnRef>
+          <a:fillRef idx="0">
+            <a:schemeClr val="accent1"/>
+          </a:fillRef>
+          <a:effectRef idx="0">
+            <a:schemeClr val="accent1"/>
+          </a:effectRef>
+          <a:fontRef idx="minor">
+            <a:schemeClr val="tx1"/>
+          </a:fontRef>
+        </p:style>
+      </p:cxnSp>
+      <p:sp>
+        <p:nvSpPr>
+          <p:cNvPr id="32" name="TextBox 31"/>
+          <p:cNvSpPr txBox="1"/>
+          <p:nvPr/>
+        </p:nvSpPr>
+        <p:spPr>
+          <a:xfrm>
+            <a:off x="6036306" y="5725001"/>
+            <a:ext cx="755335" cy="553998"/>
+          </a:xfrm>
+          <a:prstGeom prst="rect">
+            <a:avLst/>
+          </a:prstGeom>
+          <a:noFill/>
+        </p:spPr>
+        <p:txBody>
+          <a:bodyPr wrap="none" rtlCol="0">
+            <a:spAutoFit/>
+          </a:bodyPr>
+          <a:lstStyle/>
+          <a:p>
+            <a:r>
+              <a:rPr lang="en-US" altLang="ko-KR" sz="1000" dirty="0" smtClean="0"/>
+              <a:t>- ID (PK)</a:t>
+            </a:r>
+          </a:p>
+          <a:p>
+            <a:r>
+              <a:rPr lang="en-US" altLang="ko-KR" sz="1000" dirty="0" smtClean="0"/>
+              <a:t>- </a:t>
+            </a:r>
+            <a:r>
+              <a:rPr lang="ko-KR" altLang="en-US" sz="1000" dirty="0" smtClean="0"/>
+              <a:t>권역</a:t>
+            </a:r>
+            <a:endParaRPr lang="en-US" altLang="ko-KR" sz="1000" dirty="0" smtClean="0"/>
+          </a:p>
+          <a:p>
+            <a:r>
+              <a:rPr lang="en-US" altLang="ko-KR" sz="1000" dirty="0" smtClean="0"/>
+              <a:t>- </a:t>
+            </a:r>
+            <a:r>
+              <a:rPr lang="ko-KR" altLang="en-US" sz="1000" dirty="0" smtClean="0"/>
+              <a:t>주소</a:t>
+            </a:r>
+            <a:r>
+              <a:rPr lang="en-US" altLang="ko-KR" sz="1000" dirty="0" smtClean="0"/>
+              <a:t>(FK)</a:t>
+            </a:r>
+          </a:p>
+        </p:txBody>
+      </p:sp>
+      <p:sp>
+        <p:nvSpPr>
+          <p:cNvPr id="33" name="직사각형 32"/>
+          <p:cNvSpPr/>
+          <p:nvPr/>
+        </p:nvSpPr>
+        <p:spPr>
+          <a:xfrm>
+            <a:off x="1285143" y="3804468"/>
+            <a:ext cx="1304140" cy="510031"/>
+          </a:xfrm>
+          <a:prstGeom prst="rect">
+            <a:avLst/>
+          </a:prstGeom>
+          <a:noFill/>
+          <a:ln>
+            <a:solidFill>
+              <a:schemeClr val="tx1"/>
+            </a:solidFill>
+          </a:ln>
+        </p:spPr>
+        <p:style>
+          <a:lnRef idx="2">
+            <a:schemeClr val="accent1">
+              <a:shade val="50000"/>
+            </a:schemeClr>
+          </a:lnRef>
+          <a:fillRef idx="1">
+            <a:schemeClr val="accent1"/>
+          </a:fillRef>
+          <a:effectRef idx="0">
+            <a:schemeClr val="accent1"/>
+          </a:effectRef>
+          <a:fontRef idx="minor">
+            <a:schemeClr val="lt1"/>
+          </a:fontRef>
+        </p:style>
+        <p:txBody>
+          <a:bodyPr rtlCol="0" anchor="ctr"/>
+          <a:lstStyle/>
+          <a:p>
+            <a:pPr algn="ctr"/>
+            <a:r>
+              <a:rPr lang="ko-KR" altLang="en-US" dirty="0" smtClean="0">
+                <a:solidFill>
+                  <a:schemeClr val="tx1"/>
+                </a:solidFill>
+              </a:rPr>
+              <a:t>계절</a:t>
+            </a:r>
+            <a:endParaRPr lang="ko-KR" altLang="en-US" dirty="0">
+              <a:solidFill>
+                <a:schemeClr val="tx1"/>
+              </a:solidFill>
+            </a:endParaRPr>
+          </a:p>
+        </p:txBody>
+      </p:sp>
+      <p:sp>
+        <p:nvSpPr>
+          <p:cNvPr id="34" name="TextBox 33"/>
+          <p:cNvSpPr txBox="1"/>
+          <p:nvPr/>
+        </p:nvSpPr>
+        <p:spPr>
+          <a:xfrm>
+            <a:off x="618738" y="3783717"/>
+            <a:ext cx="712054" cy="707886"/>
+          </a:xfrm>
+          <a:prstGeom prst="rect">
+            <a:avLst/>
+          </a:prstGeom>
+          <a:noFill/>
+        </p:spPr>
+        <p:txBody>
+          <a:bodyPr wrap="none" rtlCol="0">
+            <a:spAutoFit/>
+          </a:bodyPr>
+          <a:lstStyle/>
+          <a:p>
+            <a:r>
+              <a:rPr lang="en-US" altLang="ko-KR" sz="1000" dirty="0" smtClean="0"/>
+              <a:t>- ID (PK)</a:t>
+            </a:r>
+          </a:p>
+          <a:p>
+            <a:r>
+              <a:rPr lang="en-US" altLang="ko-KR" sz="1000" dirty="0" smtClean="0"/>
+              <a:t>- </a:t>
+            </a:r>
+            <a:r>
+              <a:rPr lang="ko-KR" altLang="en-US" sz="1000" dirty="0" err="1" smtClean="0"/>
+              <a:t>계절명</a:t>
+            </a:r>
+            <a:endParaRPr lang="en-US" altLang="ko-KR" sz="1000" dirty="0" smtClean="0"/>
+          </a:p>
+          <a:p>
+            <a:r>
+              <a:rPr lang="en-US" altLang="ko-KR" sz="1000" dirty="0" smtClean="0"/>
+              <a:t>- </a:t>
+            </a:r>
+            <a:r>
+              <a:rPr lang="ko-KR" altLang="en-US" sz="1000" dirty="0" smtClean="0"/>
+              <a:t>시작 월</a:t>
+            </a:r>
+            <a:endParaRPr lang="en-US" altLang="ko-KR" sz="1000" dirty="0" smtClean="0"/>
+          </a:p>
+          <a:p>
+            <a:r>
+              <a:rPr lang="en-US" altLang="ko-KR" sz="1000" dirty="0" smtClean="0"/>
+              <a:t>- </a:t>
+            </a:r>
+            <a:r>
+              <a:rPr lang="ko-KR" altLang="en-US" sz="1000" dirty="0" smtClean="0"/>
+              <a:t>종료 월</a:t>
+            </a:r>
+            <a:endParaRPr lang="en-US" altLang="ko-KR" sz="1000" dirty="0" smtClean="0"/>
+          </a:p>
+        </p:txBody>
+      </p:sp>
+      <p:cxnSp>
+        <p:nvCxnSpPr>
+          <p:cNvPr id="36" name="직선 화살표 연결선 35"/>
+          <p:cNvCxnSpPr/>
+          <p:nvPr/>
+        </p:nvCxnSpPr>
+        <p:spPr>
+          <a:xfrm>
+            <a:off x="2613459" y="4340291"/>
+            <a:ext cx="379839" cy="387649"/>
+          </a:xfrm>
+          <a:prstGeom prst="straightConnector1">
+            <a:avLst/>
+          </a:prstGeom>
+          <a:ln>
+            <a:headEnd type="triangle"/>
+            <a:tailEnd type="triangle"/>
+          </a:ln>
+        </p:spPr>
+        <p:style>
+          <a:lnRef idx="1">
+            <a:schemeClr val="accent1"/>
+          </a:lnRef>
+          <a:fillRef idx="0">
+            <a:schemeClr val="accent1"/>
+          </a:fillRef>
+          <a:effectRef idx="0">
+            <a:schemeClr val="accent1"/>
+          </a:effectRef>
+          <a:fontRef idx="minor">
+            <a:schemeClr val="tx1"/>
+          </a:fontRef>
+        </p:style>
+      </p:cxnSp>
     </p:spTree>
     <p:extLst>
       <p:ext uri="{BB962C8B-B14F-4D97-AF65-F5344CB8AC3E}">
-        <p14:creationId xmlns:p14="http://schemas.microsoft.com/office/powerpoint/2010/main" val="2760035040"/>
+        <p14:creationId xmlns:p14="http://schemas.microsoft.com/office/powerpoint/2010/main" val="3027145083"/>
       </p:ext>
     </p:extLst>
   </p:cSld>
@@ -8130,15 +8323,7 @@
                   <a:schemeClr val="tx1"/>
                 </a:solidFill>
               </a:rPr>
-              <a:t>가게 </a:t>
-            </a:r>
-            <a:r>
-              <a:rPr lang="ko-KR" altLang="en-US" sz="1100" dirty="0" smtClean="0">
-                <a:solidFill>
-                  <a:schemeClr val="tx1"/>
-                </a:solidFill>
-              </a:rPr>
-              <a:t>등록</a:t>
+              <a:t>가게 등록</a:t>
             </a:r>
             <a:endParaRPr lang="ko-KR" altLang="en-US" sz="1100" dirty="0">
               <a:solidFill>
